--- a/week10/lecture.pptx
+++ b/week10/lecture.pptx
@@ -307,7 +307,7 @@
           <a:p>
             <a:fld id="{241EB5C9-1307-BA42-ABA2-0BC069CD8E7F}" type="datetimeFigureOut">
               <a:rPr lang="en-US" smtClean="0"/>
-              <a:t>1/31/22</a:t>
+              <a:t>9/29/24</a:t>
             </a:fld>
             <a:endParaRPr lang="en-US"/>
           </a:p>
@@ -436,7 +436,7 @@
             <a:lvl1pPr>
               <a:defRPr>
                 <a:solidFill>
-                  <a:srgbClr val="DC322F"/>
+                  <a:schemeClr val="tx1"/>
                 </a:solidFill>
               </a:defRPr>
             </a:lvl1pPr>
@@ -531,7 +531,7 @@
           <a:p>
             <a:fld id="{241EB5C9-1307-BA42-ABA2-0BC069CD8E7F}" type="datetimeFigureOut">
               <a:rPr lang="en-US" smtClean="0"/>
-              <a:t>1/31/22</a:t>
+              <a:t>9/29/24</a:t>
             </a:fld>
             <a:endParaRPr lang="en-US"/>
           </a:p>
@@ -760,7 +760,7 @@
           <a:p>
             <a:fld id="{241EB5C9-1307-BA42-ABA2-0BC069CD8E7F}" type="datetimeFigureOut">
               <a:rPr lang="en-US" smtClean="0"/>
-              <a:t>1/31/22</a:t>
+              <a:t>9/29/24</a:t>
             </a:fld>
             <a:endParaRPr lang="en-US"/>
           </a:p>
@@ -936,7 +936,7 @@
               <a:buNone/>
               <a:defRPr sz="2000" b="0">
                 <a:solidFill>
-                  <a:srgbClr val="DC322F"/>
+                  <a:schemeClr val="tx1"/>
                 </a:solidFill>
               </a:defRPr>
             </a:lvl1pPr>
@@ -1053,7 +1053,7 @@
           <a:p>
             <a:fld id="{241EB5C9-1307-BA42-ABA2-0BC069CD8E7F}" type="datetimeFigureOut">
               <a:rPr lang="en-US" smtClean="0"/>
-              <a:t>1/31/22</a:t>
+              <a:t>9/29/24</a:t>
             </a:fld>
             <a:endParaRPr lang="en-US"/>
           </a:p>
@@ -1184,7 +1184,7 @@
             <a:lvl1pPr>
               <a:defRPr sz="3200">
                 <a:solidFill>
-                  <a:srgbClr val="DC322F"/>
+                  <a:schemeClr val="tx1"/>
                 </a:solidFill>
                 <a:latin typeface="Trebuchet MS" panose="020B0703020202090204" pitchFamily="34" charset="0"/>
                 <a:cs typeface="Arial" panose="020B0604020202020204" pitchFamily="34" charset="0"/>
@@ -1327,7 +1327,7 @@
           <a:p>
             <a:fld id="{241EB5C9-1307-BA42-ABA2-0BC069CD8E7F}" type="datetimeFigureOut">
               <a:rPr lang="en-US" smtClean="0"/>
-              <a:t>1/31/22</a:t>
+              <a:t>9/29/24</a:t>
             </a:fld>
             <a:endParaRPr lang="en-US"/>
           </a:p>
@@ -1495,7 +1495,7 @@
           <a:p>
             <a:fld id="{241EB5C9-1307-BA42-ABA2-0BC069CD8E7F}" type="datetimeFigureOut">
               <a:rPr lang="en-US" smtClean="0"/>
-              <a:t>1/31/22</a:t>
+              <a:t>9/29/24</a:t>
             </a:fld>
             <a:endParaRPr lang="en-US"/>
           </a:p>
@@ -1624,7 +1624,7 @@
             <a:lvl1pPr>
               <a:defRPr>
                 <a:solidFill>
-                  <a:srgbClr val="DC322F"/>
+                  <a:schemeClr val="tx1"/>
                 </a:solidFill>
               </a:defRPr>
             </a:lvl1pPr>
@@ -1849,7 +1849,7 @@
           <a:p>
             <a:fld id="{241EB5C9-1307-BA42-ABA2-0BC069CD8E7F}" type="datetimeFigureOut">
               <a:rPr lang="en-US" smtClean="0"/>
-              <a:t>1/31/22</a:t>
+              <a:t>9/29/24</a:t>
             </a:fld>
             <a:endParaRPr lang="en-US"/>
           </a:p>
@@ -1978,7 +1978,7 @@
             <a:lvl1pPr>
               <a:defRPr>
                 <a:solidFill>
-                  <a:srgbClr val="DC322F"/>
+                  <a:schemeClr val="tx1"/>
                 </a:solidFill>
               </a:defRPr>
             </a:lvl1pPr>
@@ -2295,7 +2295,7 @@
           <a:p>
             <a:fld id="{241EB5C9-1307-BA42-ABA2-0BC069CD8E7F}" type="datetimeFigureOut">
               <a:rPr lang="en-US" smtClean="0"/>
-              <a:t>1/31/22</a:t>
+              <a:t>9/29/24</a:t>
             </a:fld>
             <a:endParaRPr lang="en-US"/>
           </a:p>
@@ -2461,7 +2461,7 @@
           <a:p>
             <a:fld id="{241EB5C9-1307-BA42-ABA2-0BC069CD8E7F}" type="datetimeFigureOut">
               <a:rPr lang="en-US" smtClean="0"/>
-              <a:t>1/31/22</a:t>
+              <a:t>9/29/24</a:t>
             </a:fld>
             <a:endParaRPr lang="en-US"/>
           </a:p>
@@ -2582,7 +2582,7 @@
           <a:p>
             <a:fld id="{241EB5C9-1307-BA42-ABA2-0BC069CD8E7F}" type="datetimeFigureOut">
               <a:rPr lang="en-US" smtClean="0"/>
-              <a:t>1/31/22</a:t>
+              <a:t>9/29/24</a:t>
             </a:fld>
             <a:endParaRPr lang="en-US"/>
           </a:p>
@@ -2713,7 +2713,7 @@
             <a:lvl1pPr>
               <a:defRPr sz="2800">
                 <a:solidFill>
-                  <a:srgbClr val="DC322F"/>
+                  <a:schemeClr val="tx1"/>
                 </a:solidFill>
               </a:defRPr>
             </a:lvl1pPr>
@@ -2914,7 +2914,7 @@
           <a:p>
             <a:fld id="{241EB5C9-1307-BA42-ABA2-0BC069CD8E7F}" type="datetimeFigureOut">
               <a:rPr lang="en-US" smtClean="0"/>
-              <a:t>1/31/22</a:t>
+              <a:t>9/29/24</a:t>
             </a:fld>
             <a:endParaRPr lang="en-US"/>
           </a:p>
@@ -3045,7 +3045,7 @@
             <a:lvl1pPr>
               <a:defRPr sz="2800">
                 <a:solidFill>
-                  <a:srgbClr val="DC322F"/>
+                  <a:schemeClr val="tx1"/>
                 </a:solidFill>
               </a:defRPr>
             </a:lvl1pPr>
@@ -3226,7 +3226,7 @@
           <a:p>
             <a:fld id="{241EB5C9-1307-BA42-ABA2-0BC069CD8E7F}" type="datetimeFigureOut">
               <a:rPr lang="en-US" smtClean="0"/>
-              <a:t>1/31/22</a:t>
+              <a:t>9/29/24</a:t>
             </a:fld>
             <a:endParaRPr lang="en-US"/>
           </a:p>
@@ -3313,7 +3313,7 @@
     <p:bg>
       <p:bgPr>
         <a:solidFill>
-          <a:srgbClr val="FFF8E7"/>
+          <a:srgbClr val="FFFCF2"/>
         </a:solidFill>
         <a:effectLst/>
       </p:bgPr>
@@ -3441,7 +3441,7 @@
           <a:p>
             <a:fld id="{241EB5C9-1307-BA42-ABA2-0BC069CD8E7F}" type="datetimeFigureOut">
               <a:rPr lang="en-US" smtClean="0"/>
-              <a:t>1/31/22</a:t>
+              <a:t>9/29/24</a:t>
             </a:fld>
             <a:endParaRPr lang="en-US"/>
           </a:p>
@@ -3576,6 +3576,36 @@
           </a:p>
         </p:txBody>
       </p:sp>
+      <p:pic>
+        <p:nvPicPr>
+          <p:cNvPr descr="A cartoon monkey holding a magnifying glass  Description automatically generated" id="2" name="Picture 1">
+            <a:extLst>
+              <a:ext uri="{FF2B5EF4-FFF2-40B4-BE49-F238E27FC236}">
+                <a16:creationId xmlns:a16="http://schemas.microsoft.com/office/drawing/2014/main" id="{72DC9D06-A870-D4AB-1948-5435052EE000}"/>
+              </a:ext>
+            </a:extLst>
+          </p:cNvPr>
+          <p:cNvPicPr>
+            <a:picLocks noChangeAspect="1"/>
+          </p:cNvPicPr>
+          <p:nvPr userDrawn="1"/>
+        </p:nvPicPr>
+        <p:blipFill>
+          <a:blip r:embed="rId14"/>
+          <a:stretch>
+            <a:fillRect/>
+          </a:stretch>
+        </p:blipFill>
+        <p:spPr>
+          <a:xfrm>
+            <a:off x="11056677" y="5670030"/>
+            <a:ext cx="1051446" cy="1051446"/>
+          </a:xfrm>
+          <a:prstGeom prst="rect">
+            <a:avLst/>
+          </a:prstGeom>
+        </p:spPr>
+      </p:pic>
     </p:spTree>
     <p:extLst>
       <p:ext uri="{BB962C8B-B14F-4D97-AF65-F5344CB8AC3E}">
@@ -3610,9 +3640,9 @@
         <a:buNone/>
         <a:defRPr b="1" baseline="0" i="0" kern="1200" sz="3200">
           <a:solidFill>
-            <a:srgbClr val="DC322F"/>
+            <a:schemeClr val="tx1"/>
           </a:solidFill>
-          <a:latin charset="0" panose="020B0703020202090204" pitchFamily="34" typeface="Trebuchet MS"/>
+          <a:latin charset="0" pitchFamily="2" typeface="Atkinson Hyperlegible"/>
           <a:ea typeface="+mj-ea"/>
           <a:cs charset="-79" panose="020B0502020104020203" pitchFamily="34" typeface="Gill Sans"/>
         </a:defRPr>
@@ -3632,7 +3662,7 @@
           <a:solidFill>
             <a:srgbClr val="1A1A1A"/>
           </a:solidFill>
-          <a:latin charset="0" panose="020B0604020202020204" pitchFamily="34" typeface="Arial"/>
+          <a:latin charset="0" pitchFamily="2" typeface="Atkinson Hyperlegible"/>
           <a:ea typeface="+mn-ea"/>
           <a:cs charset="0" panose="020B0604020202020204" pitchFamily="34" typeface="Arial"/>
         </a:defRPr>
@@ -3650,7 +3680,7 @@
           <a:solidFill>
             <a:srgbClr val="1A1A1A"/>
           </a:solidFill>
-          <a:latin charset="0" panose="020B0604020202020204" pitchFamily="34" typeface="Arial"/>
+          <a:latin charset="0" pitchFamily="2" typeface="Atkinson Hyperlegible"/>
           <a:ea typeface="+mn-ea"/>
           <a:cs charset="0" panose="020B0604020202020204" pitchFamily="34" typeface="Arial"/>
         </a:defRPr>
@@ -3668,7 +3698,7 @@
           <a:solidFill>
             <a:srgbClr val="1A1A1A"/>
           </a:solidFill>
-          <a:latin charset="0" panose="020B0604020202020204" pitchFamily="34" typeface="Arial"/>
+          <a:latin charset="0" pitchFamily="2" typeface="Atkinson Hyperlegible"/>
           <a:ea typeface="+mn-ea"/>
           <a:cs charset="0" panose="020B0604020202020204" pitchFamily="34" typeface="Arial"/>
         </a:defRPr>
@@ -3686,7 +3716,7 @@
           <a:solidFill>
             <a:srgbClr val="1A1A1A"/>
           </a:solidFill>
-          <a:latin charset="0" panose="020B0604020202020204" pitchFamily="34" typeface="Arial"/>
+          <a:latin charset="0" pitchFamily="2" typeface="Atkinson Hyperlegible"/>
           <a:ea typeface="+mn-ea"/>
           <a:cs charset="0" panose="020B0604020202020204" pitchFamily="34" typeface="Arial"/>
         </a:defRPr>
@@ -3704,7 +3734,7 @@
           <a:solidFill>
             <a:srgbClr val="1A1A1A"/>
           </a:solidFill>
-          <a:latin charset="0" panose="020B0604020202020204" pitchFamily="34" typeface="Arial"/>
+          <a:latin charset="0" pitchFamily="2" typeface="Atkinson Hyperlegible"/>
           <a:ea typeface="+mn-ea"/>
           <a:cs charset="0" panose="020B0604020202020204" pitchFamily="34" typeface="Arial"/>
         </a:defRPr>

--- a/week10/lecture.pptx
+++ b/week10/lecture.pptx
@@ -13,19 +13,6 @@
     <p:sldId id="261" r:id="rId7"/>
     <p:sldId id="262" r:id="rId8"/>
     <p:sldId id="263" r:id="rId9"/>
-    <p:sldId id="264" r:id="rId10"/>
-    <p:sldId id="265" r:id="rId11"/>
-    <p:sldId id="266" r:id="rId12"/>
-    <p:sldId id="267" r:id="rId13"/>
-    <p:sldId id="268" r:id="rId14"/>
-    <p:sldId id="269" r:id="rId15"/>
-    <p:sldId id="270" r:id="rId16"/>
-    <p:sldId id="271" r:id="rId17"/>
-    <p:sldId id="272" r:id="rId18"/>
-    <p:sldId id="273" r:id="rId19"/>
-    <p:sldId id="274" r:id="rId20"/>
-    <p:sldId id="275" r:id="rId21"/>
-    <p:sldId id="276" r:id="rId22"/>
   </p:sldIdLst>
   <p:sldSz cx="12192000" cy="6858000"/>
   <p:notesSz cx="6858000" cy="9144000"/>
@@ -3962,7 +3949,7 @@
             </a:pPr>
             <a:r>
               <a:rPr/>
-              <a:t>Lecture 10: STUFF</a:t>
+              <a:t>Lecture 10: Open Science Practices for your MD</a:t>
             </a:r>
           </a:p>
         </p:txBody>
@@ -3998,7 +3985,7 @@
             </a:pPr>
             <a:r>
               <a:rPr/>
-              <a:t>STUFF</a:t>
+              <a:t>Important information</a:t>
             </a:r>
             <a:br/>
             <a:br/>
@@ -4036,1021 +4023,6 @@
             <a:r>
               <a:rPr/>
               <a:t>Mon 09 Dec, 2024</a:t>
-            </a:r>
-          </a:p>
-        </p:txBody>
-      </p:sp>
-    </p:spTree>
-  </p:cSld>
-</p:sld>
-</file>
-
-<file path=ppt/slides/slide10.xml><?xml version="1.0" encoding="utf-8"?>
-<p:sld xmlns:a="http://schemas.openxmlformats.org/drawingml/2006/main" xmlns:r="http://schemas.openxmlformats.org/officeDocument/2006/relationships" xmlns:p="http://schemas.openxmlformats.org/presentationml/2006/main">
-  <p:cSld>
-    <p:spTree>
-      <p:nvGrpSpPr>
-        <p:cNvPr id="1" name=""/>
-        <p:cNvGrpSpPr/>
-        <p:nvPr/>
-      </p:nvGrpSpPr>
-      <p:grpSpPr>
-        <a:xfrm>
-          <a:off x="0" y="0"/>
-          <a:ext cx="0" cy="0"/>
-          <a:chOff x="0" y="0"/>
-          <a:chExt cx="0" cy="0"/>
-        </a:xfrm>
-      </p:grpSpPr>
-      <p:sp>
-        <p:nvSpPr>
-          <p:cNvPr id="2" name="Title 1">
-            <a:extLst>
-              <a:ext uri="{FF2B5EF4-FFF2-40B4-BE49-F238E27FC236}">
-                <a16:creationId xmlns:a16="http://schemas.microsoft.com/office/drawing/2014/main" id="{DD9B8E45-0772-954C-8D4B-6E6808DFEDED}"/>
-              </a:ext>
-            </a:extLst>
-          </p:cNvPr>
-          <p:cNvSpPr>
-            <a:spLocks noGrp="1"/>
-          </p:cNvSpPr>
-          <p:nvPr>
-            <p:ph type="title"/>
-          </p:nvPr>
-        </p:nvSpPr>
-        <p:spPr>
-          <a:xfrm>
-            <a:off x="838200" y="365129"/>
-            <a:ext cx="10515600" cy="1325563"/>
-          </a:xfrm>
-          <a:prstGeom prst="rect">
-            <a:avLst/>
-          </a:prstGeom>
-        </p:spPr>
-        <p:txBody>
-          <a:bodyPr/>
-          <a:lstStyle/>
-          <a:p>
-            <a:pPr lvl="0" indent="0" marL="0">
-              <a:buNone/>
-            </a:pPr>
-            <a:r>
-              <a:rPr/>
-              <a:t>Let’s look at the example from last weekHow do I do it? [one approach]</a:t>
-            </a:r>
-          </a:p>
-        </p:txBody>
-      </p:sp>
-      <p:sp>
-        <p:nvSpPr>
-          <p:cNvPr id="3" name="Content Placeholder 2">
-            <a:extLst>
-              <a:ext uri="{FF2B5EF4-FFF2-40B4-BE49-F238E27FC236}">
-                <a16:creationId xmlns:a16="http://schemas.microsoft.com/office/drawing/2014/main" id="{A4EB24F9-04F1-C843-9D71-56C5C024552B}"/>
-              </a:ext>
-            </a:extLst>
-          </p:cNvPr>
-          <p:cNvSpPr>
-            <a:spLocks noGrp="1"/>
-          </p:cNvSpPr>
-          <p:nvPr>
-            <p:ph idx="1"/>
-          </p:nvPr>
-        </p:nvSpPr>
-        <p:spPr/>
-        <p:txBody>
-          <a:bodyPr/>
-          <a:lstStyle/>
-          <a:p>
-            <a:pPr lvl="0" indent="0" marL="0">
-              <a:buNone/>
-            </a:pPr>
-            <a:r>
-              <a:rPr/>
-              <a:t>Review literature on a key part of your ‘puzzle’ (an IV, a ‘tool’, the DV etc)</a:t>
-            </a:r>
-          </a:p>
-          <a:p>
-            <a:pPr lvl="0" indent="0" marL="0">
-              <a:buNone/>
-            </a:pPr>
-            <a:r>
-              <a:rPr/>
-              <a:t>Apply critical evaluation to carefully chosen paper(s)</a:t>
-            </a:r>
-          </a:p>
-          <a:p>
-            <a:pPr lvl="0" indent="0" marL="0">
-              <a:buNone/>
-            </a:pPr>
-            <a:r>
-              <a:rPr/>
-              <a:t>Consider how it might realistically guide or inform your own research</a:t>
-            </a:r>
-          </a:p>
-          <a:p>
-            <a:pPr lvl="0" indent="0" marL="0">
-              <a:buNone/>
-            </a:pPr>
-            <a:r>
-              <a:rPr/>
-              <a:t>Identify a procedure to partially replicate, replicate, or replicate and extend/improve</a:t>
-            </a:r>
-          </a:p>
-          <a:p>
-            <a:pPr lvl="0" indent="0" marL="0">
-              <a:buNone/>
-            </a:pPr>
-            <a:r>
-              <a:rPr/>
-              <a:t>Detail how that takes shape and reflect on your confidence, skill base, perception of value</a:t>
-            </a:r>
-          </a:p>
-        </p:txBody>
-      </p:sp>
-    </p:spTree>
-  </p:cSld>
-</p:sld>
-</file>
-
-<file path=ppt/slides/slide11.xml><?xml version="1.0" encoding="utf-8"?>
-<p:sld xmlns:a="http://schemas.openxmlformats.org/drawingml/2006/main" xmlns:r="http://schemas.openxmlformats.org/officeDocument/2006/relationships" xmlns:p="http://schemas.openxmlformats.org/presentationml/2006/main">
-  <p:cSld>
-    <p:spTree>
-      <p:nvGrpSpPr>
-        <p:cNvPr id="1" name=""/>
-        <p:cNvGrpSpPr/>
-        <p:nvPr/>
-      </p:nvGrpSpPr>
-      <p:grpSpPr>
-        <a:xfrm>
-          <a:off x="0" y="0"/>
-          <a:ext cx="0" cy="0"/>
-          <a:chOff x="0" y="0"/>
-          <a:chExt cx="0" cy="0"/>
-        </a:xfrm>
-      </p:grpSpPr>
-      <p:sp>
-        <p:nvSpPr>
-          <p:cNvPr id="2" name="Title 1">
-            <a:extLst>
-              <a:ext uri="{FF2B5EF4-FFF2-40B4-BE49-F238E27FC236}">
-                <a16:creationId xmlns:a16="http://schemas.microsoft.com/office/drawing/2014/main" id="{DD9B8E45-0772-954C-8D4B-6E6808DFEDED}"/>
-              </a:ext>
-            </a:extLst>
-          </p:cNvPr>
-          <p:cNvSpPr>
-            <a:spLocks noGrp="1"/>
-          </p:cNvSpPr>
-          <p:nvPr>
-            <p:ph type="title"/>
-          </p:nvPr>
-        </p:nvSpPr>
-        <p:spPr>
-          <a:xfrm>
-            <a:off x="838200" y="365129"/>
-            <a:ext cx="10515600" cy="1325563"/>
-          </a:xfrm>
-          <a:prstGeom prst="rect">
-            <a:avLst/>
-          </a:prstGeom>
-        </p:spPr>
-        <p:txBody>
-          <a:bodyPr/>
-          <a:lstStyle/>
-          <a:p>
-            <a:pPr lvl="0" indent="0" marL="0">
-              <a:buNone/>
-            </a:pPr>
-            <a:r>
-              <a:rPr/>
-              <a:t>or</a:t>
-            </a:r>
-          </a:p>
-        </p:txBody>
-      </p:sp>
-      <p:sp>
-        <p:nvSpPr>
-          <p:cNvPr id="3" name="Content Placeholder 2">
-            <a:extLst>
-              <a:ext uri="{FF2B5EF4-FFF2-40B4-BE49-F238E27FC236}">
-                <a16:creationId xmlns:a16="http://schemas.microsoft.com/office/drawing/2014/main" id="{A4EB24F9-04F1-C843-9D71-56C5C024552B}"/>
-              </a:ext>
-            </a:extLst>
-          </p:cNvPr>
-          <p:cNvSpPr>
-            <a:spLocks noGrp="1"/>
-          </p:cNvSpPr>
-          <p:nvPr>
-            <p:ph idx="1"/>
-          </p:nvPr>
-        </p:nvSpPr>
-        <p:spPr/>
-        <p:txBody>
-          <a:bodyPr/>
-          <a:lstStyle/>
-          <a:p>
-            <a:pPr lvl="0" indent="0" marL="0">
-              <a:buNone/>
-            </a:pPr>
-            <a:r>
-              <a:rPr/>
-              <a:t>You could approach it </a:t>
-            </a:r>
-            <a:r>
-              <a:rPr u="sng"/>
-              <a:t>strategically as a group</a:t>
-            </a:r>
-            <a:r>
-              <a:rPr/>
-              <a:t>.</a:t>
-            </a:r>
-          </a:p>
-          <a:p>
-            <a:pPr lvl="0" indent="0" marL="0">
-              <a:buNone/>
-            </a:pPr>
-            <a:r>
-              <a:rPr/>
-              <a:t>Identify areas to take ownership of, then divide and conquer!</a:t>
-            </a:r>
-          </a:p>
-          <a:p>
-            <a:pPr lvl="0" indent="0" marL="0">
-              <a:buNone/>
-            </a:pPr>
-            <a:r>
-              <a:rPr/>
-              <a:t>Or fly solo and agree to later apply the same process to a mutually beneficial part of your study</a:t>
-            </a:r>
-          </a:p>
-        </p:txBody>
-      </p:sp>
-    </p:spTree>
-  </p:cSld>
-</p:sld>
-</file>
-
-<file path=ppt/slides/slide12.xml><?xml version="1.0" encoding="utf-8"?>
-<p:sld xmlns:a="http://schemas.openxmlformats.org/drawingml/2006/main" xmlns:r="http://schemas.openxmlformats.org/officeDocument/2006/relationships" xmlns:p="http://schemas.openxmlformats.org/presentationml/2006/main">
-  <p:cSld>
-    <p:spTree>
-      <p:nvGrpSpPr>
-        <p:cNvPr id="1" name=""/>
-        <p:cNvGrpSpPr/>
-        <p:nvPr/>
-      </p:nvGrpSpPr>
-      <p:grpSpPr>
-        <a:xfrm>
-          <a:off x="0" y="0"/>
-          <a:ext cx="0" cy="0"/>
-          <a:chOff x="0" y="0"/>
-          <a:chExt cx="0" cy="0"/>
-        </a:xfrm>
-      </p:grpSpPr>
-      <p:sp>
-        <p:nvSpPr>
-          <p:cNvPr id="2" name="Title 1">
-            <a:extLst>
-              <a:ext uri="{FF2B5EF4-FFF2-40B4-BE49-F238E27FC236}">
-                <a16:creationId xmlns:a16="http://schemas.microsoft.com/office/drawing/2014/main" id="{DD9B8E45-0772-954C-8D4B-6E6808DFEDED}"/>
-              </a:ext>
-            </a:extLst>
-          </p:cNvPr>
-          <p:cNvSpPr>
-            <a:spLocks noGrp="1"/>
-          </p:cNvSpPr>
-          <p:nvPr>
-            <p:ph type="title"/>
-          </p:nvPr>
-        </p:nvSpPr>
-        <p:spPr>
-          <a:xfrm>
-            <a:off x="838200" y="365129"/>
-            <a:ext cx="10515600" cy="1325563"/>
-          </a:xfrm>
-          <a:prstGeom prst="rect">
-            <a:avLst/>
-          </a:prstGeom>
-        </p:spPr>
-        <p:txBody>
-          <a:bodyPr/>
-          <a:lstStyle/>
-          <a:p>
-            <a:pPr lvl="0" indent="0" marL="0">
-              <a:buNone/>
-            </a:pPr>
-            <a:r>
-              <a:rPr/>
-              <a:t>Critical Proposal Support</a:t>
-            </a:r>
-          </a:p>
-        </p:txBody>
-      </p:sp>
-    </p:spTree>
-  </p:cSld>
-</p:sld>
-</file>
-
-<file path=ppt/slides/slide13.xml><?xml version="1.0" encoding="utf-8"?>
-<p:sld xmlns:a="http://schemas.openxmlformats.org/drawingml/2006/main" xmlns:r="http://schemas.openxmlformats.org/officeDocument/2006/relationships" xmlns:p="http://schemas.openxmlformats.org/presentationml/2006/main">
-  <p:cSld>
-    <p:spTree>
-      <p:nvGrpSpPr>
-        <p:cNvPr id="1" name=""/>
-        <p:cNvGrpSpPr/>
-        <p:nvPr/>
-      </p:nvGrpSpPr>
-      <p:grpSpPr>
-        <a:xfrm>
-          <a:off x="0" y="0"/>
-          <a:ext cx="0" cy="0"/>
-          <a:chOff x="0" y="0"/>
-          <a:chExt cx="0" cy="0"/>
-        </a:xfrm>
-      </p:grpSpPr>
-      <p:sp>
-        <p:nvSpPr>
-          <p:cNvPr id="2" name="Title 1">
-            <a:extLst>
-              <a:ext uri="{FF2B5EF4-FFF2-40B4-BE49-F238E27FC236}">
-                <a16:creationId xmlns:a16="http://schemas.microsoft.com/office/drawing/2014/main" id="{DD9B8E45-0772-954C-8D4B-6E6808DFEDED}"/>
-              </a:ext>
-            </a:extLst>
-          </p:cNvPr>
-          <p:cNvSpPr>
-            <a:spLocks noGrp="1"/>
-          </p:cNvSpPr>
-          <p:nvPr>
-            <p:ph type="title"/>
-          </p:nvPr>
-        </p:nvSpPr>
-        <p:spPr>
-          <a:xfrm>
-            <a:off x="838200" y="365129"/>
-            <a:ext cx="10515600" cy="1325563"/>
-          </a:xfrm>
-          <a:prstGeom prst="rect">
-            <a:avLst/>
-          </a:prstGeom>
-        </p:spPr>
-        <p:txBody>
-          <a:bodyPr/>
-          <a:lstStyle/>
-          <a:p>
-            <a:pPr lvl="0" indent="0" marL="0">
-              <a:buNone/>
-            </a:pPr>
-            <a:r>
-              <a:rPr/>
-              <a:t>Briefing</a:t>
-            </a:r>
-          </a:p>
-        </p:txBody>
-      </p:sp>
-    </p:spTree>
-  </p:cSld>
-</p:sld>
-</file>
-
-<file path=ppt/slides/slide14.xml><?xml version="1.0" encoding="utf-8"?>
-<p:sld xmlns:a="http://schemas.openxmlformats.org/drawingml/2006/main" xmlns:r="http://schemas.openxmlformats.org/officeDocument/2006/relationships" xmlns:p="http://schemas.openxmlformats.org/presentationml/2006/main">
-  <p:cSld>
-    <p:spTree>
-      <p:nvGrpSpPr>
-        <p:cNvPr id="1" name=""/>
-        <p:cNvGrpSpPr/>
-        <p:nvPr/>
-      </p:nvGrpSpPr>
-      <p:grpSpPr>
-        <a:xfrm>
-          <a:off x="0" y="0"/>
-          <a:ext cx="0" cy="0"/>
-          <a:chOff x="0" y="0"/>
-          <a:chExt cx="0" cy="0"/>
-        </a:xfrm>
-      </p:grpSpPr>
-      <p:sp>
-        <p:nvSpPr>
-          <p:cNvPr id="2" name="Title 1">
-            <a:extLst>
-              <a:ext uri="{FF2B5EF4-FFF2-40B4-BE49-F238E27FC236}">
-                <a16:creationId xmlns:a16="http://schemas.microsoft.com/office/drawing/2014/main" id="{DD9B8E45-0772-954C-8D4B-6E6808DFEDED}"/>
-              </a:ext>
-            </a:extLst>
-          </p:cNvPr>
-          <p:cNvSpPr>
-            <a:spLocks noGrp="1"/>
-          </p:cNvSpPr>
-          <p:nvPr>
-            <p:ph type="title"/>
-          </p:nvPr>
-        </p:nvSpPr>
-        <p:spPr>
-          <a:xfrm>
-            <a:off x="838200" y="365129"/>
-            <a:ext cx="10515600" cy="1325563"/>
-          </a:xfrm>
-          <a:prstGeom prst="rect">
-            <a:avLst/>
-          </a:prstGeom>
-        </p:spPr>
-        <p:txBody>
-          <a:bodyPr/>
-          <a:lstStyle/>
-          <a:p>
-            <a:pPr lvl="0" indent="0" marL="0">
-              <a:buNone/>
-            </a:pPr>
-            <a:r>
-              <a:rPr/>
-              <a:t>Please follow theseMore tips</a:t>
-            </a:r>
-          </a:p>
-        </p:txBody>
-      </p:sp>
-      <p:sp>
-        <p:nvSpPr>
-          <p:cNvPr id="3" name="Content Placeholder 2">
-            <a:extLst>
-              <a:ext uri="{FF2B5EF4-FFF2-40B4-BE49-F238E27FC236}">
-                <a16:creationId xmlns:a16="http://schemas.microsoft.com/office/drawing/2014/main" id="{A4EB24F9-04F1-C843-9D71-56C5C024552B}"/>
-              </a:ext>
-            </a:extLst>
-          </p:cNvPr>
-          <p:cNvSpPr>
-            <a:spLocks noGrp="1"/>
-          </p:cNvSpPr>
-          <p:nvPr>
-            <p:ph idx="1"/>
-          </p:nvPr>
-        </p:nvSpPr>
-        <p:spPr/>
-        <p:txBody>
-          <a:bodyPr/>
-          <a:lstStyle/>
-          <a:p>
-            <a:pPr lvl="0"/>
-            <a:r>
-              <a:rPr/>
-              <a:t>Please review the “SUGGESTED ESSAY OUTLINE” in the coursework briefing</a:t>
-            </a:r>
-          </a:p>
-          <a:p>
-            <a:pPr lvl="0"/>
-            <a:r>
-              <a:rPr/>
-              <a:t>No need to follow it roboticly, be strategic &amp; selective in terms of details</a:t>
-            </a:r>
-          </a:p>
-          <a:p>
-            <a:pPr lvl="0"/>
-            <a:r>
-              <a:rPr u="sng"/>
-              <a:t>Selection of a ‘good’ paper to focus on is an integral part of the assessment</a:t>
-            </a:r>
-            <a:r>
-              <a:rPr/>
-              <a:t>!</a:t>
-            </a:r>
-          </a:p>
-          <a:p>
-            <a:pPr lvl="0"/>
-            <a:r>
-              <a:rPr/>
-              <a:t>Do you think the first google result will be a fruitful paper? No, of course you don’t!</a:t>
-            </a:r>
-          </a:p>
-          <a:p>
-            <a:pPr lvl="0"/>
-            <a:r>
-              <a:rPr/>
-              <a:t>Use your Lab Tutor and me to get a sense of confidence. Early.</a:t>
-            </a:r>
-          </a:p>
-          <a:p>
-            <a:pPr lvl="0"/>
-            <a:r>
-              <a:rPr/>
-              <a:t>Tell us how you are searching and what you are looking for</a:t>
-            </a:r>
-          </a:p>
-          <a:p>
-            <a:pPr lvl="0"/>
-            <a:r>
-              <a:rPr/>
-              <a:t>Confirm the paper with us in a lab session [Priority given for this]</a:t>
-            </a:r>
-          </a:p>
-        </p:txBody>
-      </p:sp>
-    </p:spTree>
-  </p:cSld>
-</p:sld>
-</file>
-
-<file path=ppt/slides/slide15.xml><?xml version="1.0" encoding="utf-8"?>
-<p:sld xmlns:a="http://schemas.openxmlformats.org/drawingml/2006/main" xmlns:r="http://schemas.openxmlformats.org/officeDocument/2006/relationships" xmlns:p="http://schemas.openxmlformats.org/presentationml/2006/main">
-  <p:cSld>
-    <p:spTree>
-      <p:nvGrpSpPr>
-        <p:cNvPr id="1" name=""/>
-        <p:cNvGrpSpPr/>
-        <p:nvPr/>
-      </p:nvGrpSpPr>
-      <p:grpSpPr>
-        <a:xfrm>
-          <a:off x="0" y="0"/>
-          <a:ext cx="0" cy="0"/>
-          <a:chOff x="0" y="0"/>
-          <a:chExt cx="0" cy="0"/>
-        </a:xfrm>
-      </p:grpSpPr>
-      <p:sp>
-        <p:nvSpPr>
-          <p:cNvPr id="2" name="Title 1">
-            <a:extLst>
-              <a:ext uri="{FF2B5EF4-FFF2-40B4-BE49-F238E27FC236}">
-                <a16:creationId xmlns:a16="http://schemas.microsoft.com/office/drawing/2014/main" id="{DD9B8E45-0772-954C-8D4B-6E6808DFEDED}"/>
-              </a:ext>
-            </a:extLst>
-          </p:cNvPr>
-          <p:cNvSpPr>
-            <a:spLocks noGrp="1"/>
-          </p:cNvSpPr>
-          <p:nvPr>
-            <p:ph type="title"/>
-          </p:nvPr>
-        </p:nvSpPr>
-        <p:spPr>
-          <a:xfrm>
-            <a:off x="838200" y="365129"/>
-            <a:ext cx="10515600" cy="1325563"/>
-          </a:xfrm>
-          <a:prstGeom prst="rect">
-            <a:avLst/>
-          </a:prstGeom>
-        </p:spPr>
-        <p:txBody>
-          <a:bodyPr/>
-          <a:lstStyle/>
-          <a:p>
-            <a:pPr lvl="0" indent="0" marL="0">
-              <a:buNone/>
-            </a:pPr>
-            <a:r>
-              <a:rPr/>
-              <a:t>Even more tips</a:t>
-            </a:r>
-          </a:p>
-        </p:txBody>
-      </p:sp>
-      <p:sp>
-        <p:nvSpPr>
-          <p:cNvPr id="3" name="Content Placeholder 2">
-            <a:extLst>
-              <a:ext uri="{FF2B5EF4-FFF2-40B4-BE49-F238E27FC236}">
-                <a16:creationId xmlns:a16="http://schemas.microsoft.com/office/drawing/2014/main" id="{A4EB24F9-04F1-C843-9D71-56C5C024552B}"/>
-              </a:ext>
-            </a:extLst>
-          </p:cNvPr>
-          <p:cNvSpPr>
-            <a:spLocks noGrp="1"/>
-          </p:cNvSpPr>
-          <p:nvPr>
-            <p:ph idx="1"/>
-          </p:nvPr>
-        </p:nvSpPr>
-        <p:spPr/>
-        <p:txBody>
-          <a:bodyPr/>
-          <a:lstStyle/>
-          <a:p>
-            <a:pPr lvl="0"/>
-            <a:r>
-              <a:rPr/>
-              <a:t>Use some of the tools presented in the lab activity to help track down a suitable paper</a:t>
-            </a:r>
-          </a:p>
-          <a:p>
-            <a:pPr lvl="0"/>
-            <a:r>
-              <a:rPr/>
-              <a:t>Give yourself time to read, review, re-read and select your juiciest points</a:t>
-            </a:r>
-          </a:p>
-          <a:p>
-            <a:pPr lvl="0"/>
-            <a:r>
-              <a:rPr/>
-              <a:t>Avoid any discussion of methodologies that cannot inform your study directly</a:t>
-            </a:r>
-          </a:p>
-          <a:p>
-            <a:pPr lvl="1"/>
-            <a:r>
-              <a:rPr/>
-              <a:t>e.g. Clinical diagnostic procedures, fMRI technicalities, Criminal Record or Case Study review procedures</a:t>
-            </a:r>
-          </a:p>
-        </p:txBody>
-      </p:sp>
-    </p:spTree>
-  </p:cSld>
-</p:sld>
-</file>
-
-<file path=ppt/slides/slide16.xml><?xml version="1.0" encoding="utf-8"?>
-<p:sld xmlns:a="http://schemas.openxmlformats.org/drawingml/2006/main" xmlns:r="http://schemas.openxmlformats.org/officeDocument/2006/relationships" xmlns:p="http://schemas.openxmlformats.org/presentationml/2006/main">
-  <p:cSld>
-    <p:spTree>
-      <p:nvGrpSpPr>
-        <p:cNvPr id="1" name=""/>
-        <p:cNvGrpSpPr/>
-        <p:nvPr/>
-      </p:nvGrpSpPr>
-      <p:grpSpPr>
-        <a:xfrm>
-          <a:off x="0" y="0"/>
-          <a:ext cx="0" cy="0"/>
-          <a:chOff x="0" y="0"/>
-          <a:chExt cx="0" cy="0"/>
-        </a:xfrm>
-      </p:grpSpPr>
-      <p:sp>
-        <p:nvSpPr>
-          <p:cNvPr id="2" name="Title 1">
-            <a:extLst>
-              <a:ext uri="{FF2B5EF4-FFF2-40B4-BE49-F238E27FC236}">
-                <a16:creationId xmlns:a16="http://schemas.microsoft.com/office/drawing/2014/main" id="{DD9B8E45-0772-954C-8D4B-6E6808DFEDED}"/>
-              </a:ext>
-            </a:extLst>
-          </p:cNvPr>
-          <p:cNvSpPr>
-            <a:spLocks noGrp="1"/>
-          </p:cNvSpPr>
-          <p:nvPr>
-            <p:ph type="title"/>
-          </p:nvPr>
-        </p:nvSpPr>
-        <p:spPr>
-          <a:xfrm>
-            <a:off x="838200" y="365129"/>
-            <a:ext cx="10515600" cy="1325563"/>
-          </a:xfrm>
-          <a:prstGeom prst="rect">
-            <a:avLst/>
-          </a:prstGeom>
-        </p:spPr>
-        <p:txBody>
-          <a:bodyPr/>
-          <a:lstStyle/>
-          <a:p>
-            <a:pPr lvl="0" indent="0" marL="0">
-              <a:buNone/>
-            </a:pPr>
-            <a:r>
-              <a:rPr/>
-              <a:t>You can (will) use LOTS of this in your MD!</a:t>
-            </a:r>
-          </a:p>
-        </p:txBody>
-      </p:sp>
-      <p:sp>
-        <p:nvSpPr>
-          <p:cNvPr id="3" name="Content Placeholder 2">
-            <a:extLst>
-              <a:ext uri="{FF2B5EF4-FFF2-40B4-BE49-F238E27FC236}">
-                <a16:creationId xmlns:a16="http://schemas.microsoft.com/office/drawing/2014/main" id="{A4EB24F9-04F1-C843-9D71-56C5C024552B}"/>
-              </a:ext>
-            </a:extLst>
-          </p:cNvPr>
-          <p:cNvSpPr>
-            <a:spLocks noGrp="1"/>
-          </p:cNvSpPr>
-          <p:nvPr>
-            <p:ph idx="1"/>
-          </p:nvPr>
-        </p:nvSpPr>
-        <p:spPr/>
-        <p:txBody>
-          <a:bodyPr/>
-          <a:lstStyle/>
-          <a:p>
-            <a:pPr lvl="0" indent="0" marL="0">
-              <a:buNone/>
-            </a:pPr>
-            <a:r>
-              <a:rPr/>
-              <a:t>This isn’t a sidetrack exercise. It’s a critical step in your project</a:t>
-            </a:r>
-          </a:p>
-          <a:p>
-            <a:pPr lvl="0" indent="0" marL="0">
-              <a:buNone/>
-            </a:pPr>
-            <a:r>
-              <a:rPr/>
-              <a:t>Note your references, note your main points, be organised</a:t>
-            </a:r>
-          </a:p>
-        </p:txBody>
-      </p:sp>
-    </p:spTree>
-  </p:cSld>
-</p:sld>
-</file>
-
-<file path=ppt/slides/slide17.xml><?xml version="1.0" encoding="utf-8"?>
-<p:sld xmlns:a="http://schemas.openxmlformats.org/drawingml/2006/main" xmlns:r="http://schemas.openxmlformats.org/officeDocument/2006/relationships" xmlns:p="http://schemas.openxmlformats.org/presentationml/2006/main">
-  <p:cSld>
-    <p:spTree>
-      <p:nvGrpSpPr>
-        <p:cNvPr id="1" name=""/>
-        <p:cNvGrpSpPr/>
-        <p:nvPr/>
-      </p:nvGrpSpPr>
-      <p:grpSpPr>
-        <a:xfrm>
-          <a:off x="0" y="0"/>
-          <a:ext cx="0" cy="0"/>
-          <a:chOff x="0" y="0"/>
-          <a:chExt cx="0" cy="0"/>
-        </a:xfrm>
-      </p:grpSpPr>
-      <p:sp>
-        <p:nvSpPr>
-          <p:cNvPr id="2" name="Title 1">
-            <a:extLst>
-              <a:ext uri="{FF2B5EF4-FFF2-40B4-BE49-F238E27FC236}">
-                <a16:creationId xmlns:a16="http://schemas.microsoft.com/office/drawing/2014/main" id="{DD9B8E45-0772-954C-8D4B-6E6808DFEDED}"/>
-              </a:ext>
-            </a:extLst>
-          </p:cNvPr>
-          <p:cNvSpPr>
-            <a:spLocks noGrp="1"/>
-          </p:cNvSpPr>
-          <p:nvPr>
-            <p:ph type="title"/>
-          </p:nvPr>
-        </p:nvSpPr>
-        <p:spPr>
-          <a:xfrm>
-            <a:off x="838200" y="365129"/>
-            <a:ext cx="10515600" cy="1325563"/>
-          </a:xfrm>
-          <a:prstGeom prst="rect">
-            <a:avLst/>
-          </a:prstGeom>
-        </p:spPr>
-        <p:txBody>
-          <a:bodyPr/>
-          <a:lstStyle/>
-          <a:p>
-            <a:pPr lvl="0" indent="0" marL="0">
-              <a:buNone/>
-            </a:pPr>
-            <a:r>
-              <a:rPr/>
-              <a:t>Weeks 4 &amp; 5</a:t>
-            </a:r>
-          </a:p>
-        </p:txBody>
-      </p:sp>
-      <p:sp>
-        <p:nvSpPr>
-          <p:cNvPr id="3" name="Content Placeholder 2">
-            <a:extLst>
-              <a:ext uri="{FF2B5EF4-FFF2-40B4-BE49-F238E27FC236}">
-                <a16:creationId xmlns:a16="http://schemas.microsoft.com/office/drawing/2014/main" id="{A4EB24F9-04F1-C843-9D71-56C5C024552B}"/>
-              </a:ext>
-            </a:extLst>
-          </p:cNvPr>
-          <p:cNvSpPr>
-            <a:spLocks noGrp="1"/>
-          </p:cNvSpPr>
-          <p:nvPr>
-            <p:ph idx="1"/>
-          </p:nvPr>
-        </p:nvSpPr>
-        <p:spPr/>
-        <p:txBody>
-          <a:bodyPr/>
-          <a:lstStyle/>
-          <a:p>
-            <a:pPr lvl="0" indent="0" marL="0">
-              <a:buNone/>
-            </a:pPr>
-            <a:r>
-              <a:rPr/>
-              <a:t>Talking about Variables and the 3 ‘flavours’ of ANOVA in week 4</a:t>
-            </a:r>
-          </a:p>
-          <a:p>
-            <a:pPr lvl="0" indent="0" marL="0">
-              <a:buNone/>
-            </a:pPr>
-            <a:r>
-              <a:rPr/>
-              <a:t>Week 5 is ‘power calculations’ and opportunity to discuss CP</a:t>
-            </a:r>
-          </a:p>
-          <a:p>
-            <a:pPr lvl="0" indent="0" marL="0">
-              <a:buNone/>
-            </a:pPr>
-            <a:r>
-              <a:rPr/>
-              <a:t>But we will be moving on and the CP will be part of your independent study</a:t>
-            </a:r>
-          </a:p>
-          <a:p>
-            <a:pPr lvl="0" indent="0" marL="0">
-              <a:buNone/>
-            </a:pPr>
-            <a:r>
-              <a:rPr/>
-              <a:t>Same opportunities for RASA submissions/summer deferrals &amp; resubmissions</a:t>
-            </a:r>
-          </a:p>
-        </p:txBody>
-      </p:sp>
-    </p:spTree>
-  </p:cSld>
-</p:sld>
-</file>
-
-<file path=ppt/slides/slide18.xml><?xml version="1.0" encoding="utf-8"?>
-<p:sld xmlns:a="http://schemas.openxmlformats.org/drawingml/2006/main" xmlns:r="http://schemas.openxmlformats.org/officeDocument/2006/relationships" xmlns:p="http://schemas.openxmlformats.org/presentationml/2006/main">
-  <p:cSld>
-    <p:spTree>
-      <p:nvGrpSpPr>
-        <p:cNvPr id="1" name=""/>
-        <p:cNvGrpSpPr/>
-        <p:nvPr/>
-      </p:nvGrpSpPr>
-      <p:grpSpPr>
-        <a:xfrm>
-          <a:off x="0" y="0"/>
-          <a:ext cx="0" cy="0"/>
-          <a:chOff x="0" y="0"/>
-          <a:chExt cx="0" cy="0"/>
-        </a:xfrm>
-      </p:grpSpPr>
-      <p:sp>
-        <p:nvSpPr>
-          <p:cNvPr id="2" name="Title 1">
-            <a:extLst>
-              <a:ext uri="{FF2B5EF4-FFF2-40B4-BE49-F238E27FC236}">
-                <a16:creationId xmlns:a16="http://schemas.microsoft.com/office/drawing/2014/main" id="{FF6A6CB2-D1B6-B94A-84C1-83C65423C650}"/>
-              </a:ext>
-            </a:extLst>
-          </p:cNvPr>
-          <p:cNvSpPr>
-            <a:spLocks noGrp="1"/>
-          </p:cNvSpPr>
-          <p:nvPr>
-            <p:ph type="title"/>
-          </p:nvPr>
-        </p:nvSpPr>
-        <p:spPr>
-          <a:xfrm>
-            <a:off x="831851" y="1709742"/>
-            <a:ext cx="10515600" cy="2852737"/>
-          </a:xfrm>
-          <a:prstGeom prst="rect">
-            <a:avLst/>
-          </a:prstGeom>
-        </p:spPr>
-        <p:txBody>
-          <a:bodyPr/>
-          <a:lstStyle/>
-          <a:p>
-            <a:pPr lvl="0" indent="0" marL="0">
-              <a:buNone/>
-            </a:pPr>
-            <a:r>
-              <a:rPr/>
-              <a:t>Questions?</a:t>
-            </a:r>
-          </a:p>
-        </p:txBody>
-      </p:sp>
-    </p:spTree>
-  </p:cSld>
-</p:sld>
-</file>
-
-<file path=ppt/slides/slide19.xml><?xml version="1.0" encoding="utf-8"?>
-<p:sld xmlns:a="http://schemas.openxmlformats.org/drawingml/2006/main" xmlns:r="http://schemas.openxmlformats.org/officeDocument/2006/relationships" xmlns:p="http://schemas.openxmlformats.org/presentationml/2006/main">
-  <p:cSld>
-    <p:spTree>
-      <p:nvGrpSpPr>
-        <p:cNvPr id="1" name=""/>
-        <p:cNvGrpSpPr/>
-        <p:nvPr/>
-      </p:nvGrpSpPr>
-      <p:grpSpPr>
-        <a:xfrm>
-          <a:off x="0" y="0"/>
-          <a:ext cx="0" cy="0"/>
-          <a:chOff x="0" y="0"/>
-          <a:chExt cx="0" cy="0"/>
-        </a:xfrm>
-      </p:grpSpPr>
-      <p:sp>
-        <p:nvSpPr>
-          <p:cNvPr id="2" name="Title 1">
-            <a:extLst>
-              <a:ext uri="{FF2B5EF4-FFF2-40B4-BE49-F238E27FC236}">
-                <a16:creationId xmlns:a16="http://schemas.microsoft.com/office/drawing/2014/main" id="{DD9B8E45-0772-954C-8D4B-6E6808DFEDED}"/>
-              </a:ext>
-            </a:extLst>
-          </p:cNvPr>
-          <p:cNvSpPr>
-            <a:spLocks noGrp="1"/>
-          </p:cNvSpPr>
-          <p:nvPr>
-            <p:ph type="title"/>
-          </p:nvPr>
-        </p:nvSpPr>
-        <p:spPr>
-          <a:xfrm>
-            <a:off x="838200" y="365129"/>
-            <a:ext cx="10515600" cy="1325563"/>
-          </a:xfrm>
-          <a:prstGeom prst="rect">
-            <a:avLst/>
-          </a:prstGeom>
-        </p:spPr>
-        <p:txBody>
-          <a:bodyPr/>
-          <a:lstStyle/>
-          <a:p>
-            <a:pPr lvl="0" indent="0" marL="0">
-              <a:buNone/>
-            </a:pPr>
-            <a:r>
-              <a:rPr/>
-              <a:t>New Teaching Fellow in Lab 03 WB300 9:30-11:30</a:t>
-            </a:r>
-          </a:p>
-        </p:txBody>
-      </p:sp>
-      <p:sp>
-        <p:nvSpPr>
-          <p:cNvPr id="3" name="Content Placeholder 2">
-            <a:extLst>
-              <a:ext uri="{FF2B5EF4-FFF2-40B4-BE49-F238E27FC236}">
-                <a16:creationId xmlns:a16="http://schemas.microsoft.com/office/drawing/2014/main" id="{A4EB24F9-04F1-C843-9D71-56C5C024552B}"/>
-              </a:ext>
-            </a:extLst>
-          </p:cNvPr>
-          <p:cNvSpPr>
-            <a:spLocks noGrp="1"/>
-          </p:cNvSpPr>
-          <p:nvPr>
-            <p:ph idx="1"/>
-          </p:nvPr>
-        </p:nvSpPr>
-        <p:spPr/>
-        <p:txBody>
-          <a:bodyPr/>
-          <a:lstStyle/>
-          <a:p>
-            <a:pPr lvl="0" indent="0" marL="0">
-              <a:buNone/>
-            </a:pPr>
-            <a:r>
-              <a:rPr/>
-              <a:t>Dr. Faize Eryaman</a:t>
-            </a:r>
-          </a:p>
-          <a:p>
-            <a:pPr lvl="0" indent="0" marL="0">
-              <a:buNone/>
-            </a:pPr>
-            <a:r>
-              <a:rPr/>
-              <a:t>I’m going to meet her directly after this.</a:t>
-            </a:r>
-          </a:p>
-          <a:p>
-            <a:pPr lvl="0" indent="0" marL="0">
-              <a:buNone/>
-            </a:pPr>
-            <a:r>
-              <a:rPr/>
-              <a:t>New to Goldsmiths, but a fantastic researcher and teacher.</a:t>
-            </a:r>
-          </a:p>
-          <a:p>
-            <a:pPr lvl="0" indent="0" marL="0">
-              <a:buNone/>
-            </a:pPr>
-            <a:r>
-              <a:rPr/>
-              <a:t>Please help her settle in!</a:t>
             </a:r>
           </a:p>
         </p:txBody>
@@ -5111,7 +4083,7 @@
             </a:pPr>
             <a:r>
               <a:rPr/>
-              <a:t>Key topics today 20000</a:t>
+              <a:t>Introduction</a:t>
             </a:r>
           </a:p>
         </p:txBody>
@@ -5137,251 +4109,46 @@
           <a:bodyPr/>
           <a:lstStyle/>
           <a:p>
-            <a:pPr lvl="0" indent="0" marL="0">
-              <a:buNone/>
-            </a:pPr>
-            <a:r>
-              <a:rPr/>
-              <a:t>The week ahead</a:t>
-            </a:r>
-          </a:p>
-          <a:p>
-            <a:pPr lvl="0"/>
-            <a:r>
-              <a:rPr/>
-              <a:t>Personal Tutor Meeting about Mini-Dissertation this week</a:t>
-            </a:r>
-          </a:p>
-          <a:p>
-            <a:pPr lvl="0"/>
-            <a:r>
-              <a:rPr/>
-              <a:t>also Weeks 8 (ethics), 13 (write-up prep), 17 (Stats)</a:t>
+            <a:pPr lvl="0"/>
+            <a:r>
+              <a:rPr b="1"/>
+              <a:t>Purpose</a:t>
+            </a:r>
+            <a:r>
+              <a:rPr/>
+              <a:t>: Enhance transparency, reproducibility, and collaboration.</a:t>
+            </a:r>
+          </a:p>
+          <a:p>
+            <a:pPr lvl="0"/>
+            <a:r>
+              <a:rPr b="1"/>
+              <a:t>Focus Areas</a:t>
+            </a:r>
+            <a:r>
+              <a:rPr/>
+              <a:t>:</a:t>
             </a:r>
           </a:p>
           <a:p>
             <a:pPr lvl="1"/>
             <a:r>
               <a:rPr/>
-              <a:t>It is your time, PTs have been told to follow your lead</a:t>
-            </a:r>
-          </a:p>
-          <a:p>
-            <a:pPr lvl="0"/>
-            <a:r>
-              <a:rPr/>
-              <a:t>Critical Proposal overview and tips</a:t>
-            </a:r>
-          </a:p>
-          <a:p>
-            <a:pPr lvl="0"/>
-            <a:r>
-              <a:rPr/>
-              <a:t>Lab preview - Literature search and management</a:t>
+              <a:t>Open Data</a:t>
             </a:r>
           </a:p>
           <a:p>
             <a:pPr lvl="1"/>
             <a:r>
               <a:rPr/>
-              <a:t>Your Critical Proposal Target Paper</a:t>
-            </a:r>
-          </a:p>
-        </p:txBody>
-      </p:sp>
-    </p:spTree>
-  </p:cSld>
-</p:sld>
-</file>
-
-<file path=ppt/slides/slide20.xml><?xml version="1.0" encoding="utf-8"?>
-<p:sld xmlns:a="http://schemas.openxmlformats.org/drawingml/2006/main" xmlns:r="http://schemas.openxmlformats.org/officeDocument/2006/relationships" xmlns:p="http://schemas.openxmlformats.org/presentationml/2006/main">
-  <p:cSld>
-    <p:spTree>
-      <p:nvGrpSpPr>
-        <p:cNvPr id="1" name=""/>
-        <p:cNvGrpSpPr/>
-        <p:nvPr/>
-      </p:nvGrpSpPr>
-      <p:grpSpPr>
-        <a:xfrm>
-          <a:off x="0" y="0"/>
-          <a:ext cx="0" cy="0"/>
-          <a:chOff x="0" y="0"/>
-          <a:chExt cx="0" cy="0"/>
-        </a:xfrm>
-      </p:grpSpPr>
-      <p:sp>
-        <p:nvSpPr>
-          <p:cNvPr id="2" name="Title 1">
-            <a:extLst>
-              <a:ext uri="{FF2B5EF4-FFF2-40B4-BE49-F238E27FC236}">
-                <a16:creationId xmlns:a16="http://schemas.microsoft.com/office/drawing/2014/main" id="{DD9B8E45-0772-954C-8D4B-6E6808DFEDED}"/>
-              </a:ext>
-            </a:extLst>
-          </p:cNvPr>
-          <p:cNvSpPr>
-            <a:spLocks noGrp="1"/>
-          </p:cNvSpPr>
-          <p:nvPr>
-            <p:ph type="title"/>
-          </p:nvPr>
-        </p:nvSpPr>
-        <p:spPr>
-          <a:xfrm>
-            <a:off x="838200" y="365129"/>
-            <a:ext cx="10515600" cy="1325563"/>
-          </a:xfrm>
-          <a:prstGeom prst="rect">
-            <a:avLst/>
-          </a:prstGeom>
-        </p:spPr>
-        <p:txBody>
-          <a:bodyPr/>
-          <a:lstStyle/>
-          <a:p>
-            <a:pPr lvl="0" indent="0" marL="0">
-              <a:buNone/>
-            </a:pPr>
-            <a:r>
-              <a:rPr/>
-              <a:t>Roving Gordon</a:t>
-            </a:r>
-          </a:p>
-        </p:txBody>
-      </p:sp>
-      <p:sp>
-        <p:nvSpPr>
-          <p:cNvPr id="3" name="Content Placeholder 2">
-            <a:extLst>
-              <a:ext uri="{FF2B5EF4-FFF2-40B4-BE49-F238E27FC236}">
-                <a16:creationId xmlns:a16="http://schemas.microsoft.com/office/drawing/2014/main" id="{A4EB24F9-04F1-C843-9D71-56C5C024552B}"/>
-              </a:ext>
-            </a:extLst>
-          </p:cNvPr>
-          <p:cNvSpPr>
-            <a:spLocks noGrp="1"/>
-          </p:cNvSpPr>
-          <p:nvPr>
-            <p:ph idx="1"/>
-          </p:nvPr>
-        </p:nvSpPr>
-        <p:spPr/>
-        <p:txBody>
-          <a:bodyPr/>
-          <a:lstStyle/>
-          <a:p>
-            <a:pPr lvl="0" indent="0" marL="0">
-              <a:buNone/>
-            </a:pPr>
-            <a:r>
-              <a:rPr/>
-              <a:t>I shall be more available across all the labs now, and looking to help out as much as I can!</a:t>
-            </a:r>
-          </a:p>
-          <a:p>
-            <a:pPr lvl="0" indent="0" marL="0">
-              <a:buNone/>
-            </a:pPr>
-            <a:r>
-              <a:rPr/>
-              <a:t>I’m looking for opportunities:</a:t>
-            </a:r>
-          </a:p>
-          <a:p>
-            <a:pPr lvl="0"/>
-            <a:r>
-              <a:rPr/>
-              <a:t>To share good ideas or practice</a:t>
-            </a:r>
-          </a:p>
-          <a:p>
-            <a:pPr lvl="0"/>
-            <a:r>
-              <a:rPr/>
-              <a:t>To help confirm consistency and give you confidence</a:t>
-            </a:r>
-          </a:p>
-          <a:p>
-            <a:pPr lvl="0"/>
-            <a:r>
-              <a:rPr/>
-              <a:t>To be another “guide at the side”</a:t>
-            </a:r>
-          </a:p>
-          <a:p>
-            <a:pPr lvl="0"/>
-            <a:r>
-              <a:rPr/>
-              <a:t>To challenge you</a:t>
-            </a:r>
-          </a:p>
-          <a:p>
-            <a:pPr lvl="0"/>
-            <a:r>
-              <a:rPr/>
-              <a:t>But not to confuse you or contradict your Lab or Personal Tutors</a:t>
-            </a:r>
-          </a:p>
-        </p:txBody>
-      </p:sp>
-    </p:spTree>
-  </p:cSld>
-</p:sld>
-</file>
-
-<file path=ppt/slides/slide21.xml><?xml version="1.0" encoding="utf-8"?>
-<p:sld xmlns:a="http://schemas.openxmlformats.org/drawingml/2006/main" xmlns:r="http://schemas.openxmlformats.org/officeDocument/2006/relationships" xmlns:p="http://schemas.openxmlformats.org/presentationml/2006/main">
-  <p:cSld>
-    <p:spTree>
-      <p:nvGrpSpPr>
-        <p:cNvPr id="1" name=""/>
-        <p:cNvGrpSpPr/>
-        <p:nvPr/>
-      </p:nvGrpSpPr>
-      <p:grpSpPr>
-        <a:xfrm>
-          <a:off x="0" y="0"/>
-          <a:ext cx="0" cy="0"/>
-          <a:chOff x="0" y="0"/>
-          <a:chExt cx="0" cy="0"/>
-        </a:xfrm>
-      </p:grpSpPr>
-      <p:sp>
-        <p:nvSpPr>
-          <p:cNvPr id="2" name="Title 1">
-            <a:extLst>
-              <a:ext uri="{FF2B5EF4-FFF2-40B4-BE49-F238E27FC236}">
-                <a16:creationId xmlns:a16="http://schemas.microsoft.com/office/drawing/2014/main" id="{FF6A6CB2-D1B6-B94A-84C1-83C65423C650}"/>
-              </a:ext>
-            </a:extLst>
-          </p:cNvPr>
-          <p:cNvSpPr>
-            <a:spLocks noGrp="1"/>
-          </p:cNvSpPr>
-          <p:nvPr>
-            <p:ph type="title"/>
-          </p:nvPr>
-        </p:nvSpPr>
-        <p:spPr>
-          <a:xfrm>
-            <a:off x="831851" y="1709742"/>
-            <a:ext cx="10515600" cy="2852737"/>
-          </a:xfrm>
-          <a:prstGeom prst="rect">
-            <a:avLst/>
-          </a:prstGeom>
-        </p:spPr>
-        <p:txBody>
-          <a:bodyPr/>
-          <a:lstStyle/>
-          <a:p>
-            <a:pPr lvl="0" indent="0" marL="0">
-              <a:buNone/>
-            </a:pPr>
-            <a:r>
-              <a:rPr/>
-              <a:t>Questions?</a:t>
+              <a:t>Open Materials</a:t>
+            </a:r>
+          </a:p>
+          <a:p>
+            <a:pPr lvl="1"/>
+            <a:r>
+              <a:rPr/>
+              <a:t>Reflective Account</a:t>
             </a:r>
           </a:p>
         </p:txBody>
@@ -5442,7 +4209,7 @@
             </a:pPr>
             <a:r>
               <a:rPr/>
-              <a:t>Personal Tutor Meeting Week 3</a:t>
+              <a:t>Why Open Science Matters</a:t>
             </a:r>
           </a:p>
         </p:txBody>
@@ -5468,56 +4235,31 @@
           <a:bodyPr/>
           <a:lstStyle/>
           <a:p>
-            <a:pPr lvl="0" indent="0" marL="0">
-              <a:buNone/>
-            </a:pPr>
-            <a:r>
-              <a:rPr/>
-              <a:t>This week (week 3) you have 50 minutes with your Personal Tutor to discuss the Mini-Dissertation</a:t>
-            </a:r>
-          </a:p>
-          <a:p>
-            <a:pPr lvl="0" indent="0" marL="1270000">
-              <a:buNone/>
-            </a:pPr>
-            <a:r>
-              <a:rPr sz="2000" b="1"/>
-              <a:t>Tip</a:t>
-            </a:r>
-          </a:p>
-          <a:p>
-            <a:pPr lvl="0" indent="0" marL="1270000">
-              <a:buNone/>
-            </a:pPr>
-            <a:r>
-              <a:rPr sz="2000"/>
-              <a:t>Your Personal Tutor is ANOTHER source of guidance and support.</a:t>
-            </a:r>
-          </a:p>
-          <a:p>
-            <a:pPr lvl="0" indent="0" marL="1270000">
-              <a:buNone/>
-            </a:pPr>
-            <a:r>
-              <a:rPr sz="2000"/>
-              <a:t>Give them the information they need to best help you on this journey.</a:t>
-            </a:r>
-          </a:p>
-          <a:p>
-            <a:pPr lvl="0" indent="0" marL="1270000">
-              <a:buNone/>
-            </a:pPr>
-            <a:r>
-              <a:rPr sz="2000"/>
-              <a:t>Dear PTs, “Next week, you are given </a:t>
-            </a:r>
-            <a:r>
-              <a:rPr sz="2000" b="1"/>
-              <a:t>no information whatsoever</a:t>
-            </a:r>
-            <a:r>
-              <a:rPr sz="2000"/>
-              <a:t>, and are asked to turn up to your session with nothing other than perhaps a pen and paper, a big smile, and anticipation of lots of exciting research in the making.”</a:t>
+            <a:pPr lvl="0"/>
+            <a:r>
+              <a:rPr/>
+              <a:t>Ensures research credibility and integrity.</a:t>
+            </a:r>
+          </a:p>
+          <a:p>
+            <a:pPr lvl="0"/>
+            <a:r>
+              <a:rPr/>
+              <a:t>Facilitates peer review and replication.</a:t>
+            </a:r>
+          </a:p>
+          <a:p>
+            <a:pPr lvl="0"/>
+            <a:r>
+              <a:rPr/>
+              <a:t>Increases research visibility and impact.</a:t>
+            </a:r>
+          </a:p>
+          <a:p>
+            <a:pPr lvl="0"/>
+            <a:r>
+              <a:rPr/>
+              <a:t>Encourages innovation and collaborative opportunities.</a:t>
             </a:r>
           </a:p>
         </p:txBody>
@@ -5578,7 +4320,7 @@
             </a:pPr>
             <a:r>
               <a:rPr/>
-              <a:t>Future PT Sessions devoted to the MD</a:t>
+              <a:t>Open Data Requirements</a:t>
             </a:r>
           </a:p>
         </p:txBody>
@@ -5605,29 +4347,237 @@
           <a:lstStyle/>
           <a:p>
             <a:pPr lvl="0" indent="0" marL="0">
+              <a:spcBef>
+                <a:spcPts val="3000"/>
+              </a:spcBef>
               <a:buNone/>
             </a:pPr>
             <a:r>
-              <a:rPr/>
-              <a:t>Week 8 - Check on status of Ethics application, and troubleshooting</a:t>
+              <a:rPr b="1"/>
+              <a:t>What is Open Data?</a:t>
+            </a:r>
+          </a:p>
+          <a:p>
+            <a:pPr lvl="0"/>
+            <a:r>
+              <a:rPr b="1"/>
+              <a:t>Definition</a:t>
+            </a:r>
+            <a:r>
+              <a:rPr/>
+              <a:t>: Making research data accessible for transparency and reproducibility.</a:t>
+            </a:r>
+          </a:p>
+          <a:p>
+            <a:pPr lvl="0"/>
+            <a:r>
+              <a:rPr b="1"/>
+              <a:t>Benefits</a:t>
+            </a:r>
+            <a:r>
+              <a:rPr/>
+              <a:t>:</a:t>
+            </a:r>
+          </a:p>
+          <a:p>
+            <a:pPr lvl="1"/>
+            <a:r>
+              <a:rPr/>
+              <a:t>Promotes collaboration.</a:t>
+            </a:r>
+          </a:p>
+          <a:p>
+            <a:pPr lvl="1"/>
+            <a:r>
+              <a:rPr/>
+              <a:t>Advances scientific knowledge.</a:t>
+            </a:r>
+          </a:p>
+          <a:p>
+            <a:pPr lvl="1"/>
+            <a:r>
+              <a:rPr/>
+              <a:t>Increases study credibility.</a:t>
             </a:r>
           </a:p>
           <a:p>
             <a:pPr lvl="0" indent="0" marL="0">
+              <a:spcBef>
+                <a:spcPts val="3000"/>
+              </a:spcBef>
               <a:buNone/>
             </a:pPr>
             <a:r>
-              <a:rPr/>
-              <a:t>Week 13 - Session to support Analysis Planning and Writing up/Submission preparation</a:t>
+              <a:rPr b="1"/>
+              <a:t>Preparing Your Data</a:t>
+            </a:r>
+          </a:p>
+          <a:p>
+            <a:pPr lvl="0"/>
+            <a:r>
+              <a:rPr/>
+              <a:t>Clean, validate, and anonymize your data.</a:t>
+            </a:r>
+          </a:p>
+          <a:p>
+            <a:pPr lvl="0"/>
+            <a:r>
+              <a:rPr/>
+              <a:t>Remove errors, inconsistencies, or missing values.</a:t>
+            </a:r>
+          </a:p>
+          <a:p>
+            <a:pPr lvl="0"/>
+            <a:r>
+              <a:rPr/>
+              <a:t>Anonymize participant data: Replace PII with unique identifiers.</a:t>
             </a:r>
           </a:p>
           <a:p>
             <a:pPr lvl="0" indent="0" marL="0">
+              <a:spcBef>
+                <a:spcPts val="3000"/>
+              </a:spcBef>
               <a:buNone/>
             </a:pPr>
             <a:r>
-              <a:rPr/>
-              <a:t>Week 17 - Result interpretation, and any concerns arising in the final phase of the MD</a:t>
+              <a:rPr b="1"/>
+              <a:t>Data Dictionary</a:t>
+            </a:r>
+          </a:p>
+          <a:p>
+            <a:pPr lvl="0"/>
+            <a:r>
+              <a:rPr/>
+              <a:t>Document the dataset structure for easy understanding:</a:t>
+            </a:r>
+          </a:p>
+          <a:p>
+            <a:pPr lvl="1"/>
+            <a:r>
+              <a:rPr/>
+              <a:t>Variable names and descriptions</a:t>
+            </a:r>
+          </a:p>
+          <a:p>
+            <a:pPr lvl="1"/>
+            <a:r>
+              <a:rPr/>
+              <a:t>Data types (categorical, continuous)</a:t>
+            </a:r>
+          </a:p>
+          <a:p>
+            <a:pPr lvl="1"/>
+            <a:r>
+              <a:rPr/>
+              <a:t>Units of measurement (e.g., ms, hours)</a:t>
+            </a:r>
+          </a:p>
+          <a:p>
+            <a:pPr lvl="1"/>
+            <a:r>
+              <a:rPr/>
+              <a:t>Coding schemes (if applicable)</a:t>
+            </a:r>
+          </a:p>
+          <a:p>
+            <a:pPr lvl="0" indent="0" marL="0">
+              <a:spcBef>
+                <a:spcPts val="3000"/>
+              </a:spcBef>
+              <a:buNone/>
+            </a:pPr>
+            <a:r>
+              <a:rPr b="1"/>
+              <a:t>Documenting Pre-processing</a:t>
+            </a:r>
+          </a:p>
+          <a:p>
+            <a:pPr lvl="0"/>
+            <a:r>
+              <a:rPr/>
+              <a:t>Describe decisions on exclusions, missing data handling.</a:t>
+            </a:r>
+          </a:p>
+          <a:p>
+            <a:pPr lvl="0"/>
+            <a:r>
+              <a:rPr/>
+              <a:t>Keep a record of processing steps for transparency.</a:t>
+            </a:r>
+          </a:p>
+          <a:p>
+            <a:pPr lvl="0" indent="0" marL="0">
+              <a:spcBef>
+                <a:spcPts val="3000"/>
+              </a:spcBef>
+              <a:buNone/>
+            </a:pPr>
+            <a:r>
+              <a:rPr b="1"/>
+              <a:t>Choosing Suitable Formats</a:t>
+            </a:r>
+          </a:p>
+          <a:p>
+            <a:pPr lvl="0"/>
+            <a:r>
+              <a:rPr/>
+              <a:t>CSV, Excel (.xlsx), SPSS (.sav), Jamovi, R.</a:t>
+            </a:r>
+          </a:p>
+          <a:p>
+            <a:pPr lvl="0"/>
+            <a:r>
+              <a:rPr/>
+              <a:t>Ensure formats are user-friendly and well-documented.</a:t>
+            </a:r>
+          </a:p>
+          <a:p>
+            <a:pPr lvl="0" indent="0" marL="0">
+              <a:spcBef>
+                <a:spcPts val="3000"/>
+              </a:spcBef>
+              <a:buNone/>
+            </a:pPr>
+            <a:r>
+              <a:rPr b="1"/>
+              <a:t>Where to Avoid SPSS Dumps</a:t>
+            </a:r>
+          </a:p>
+          <a:p>
+            <a:pPr lvl="0"/>
+            <a:r>
+              <a:rPr b="1"/>
+              <a:t>Important</a:t>
+            </a:r>
+            <a:r>
+              <a:rPr/>
+              <a:t>: Do not submit the full SPSS output.</a:t>
+            </a:r>
+          </a:p>
+          <a:p>
+            <a:pPr lvl="0"/>
+            <a:r>
+              <a:rPr b="1"/>
+              <a:t>What to Include</a:t>
+            </a:r>
+            <a:r>
+              <a:rPr/>
+              <a:t>:</a:t>
+            </a:r>
+          </a:p>
+          <a:p>
+            <a:pPr lvl="1"/>
+            <a:r>
+              <a:rPr/>
+              <a:t>Key statistics and results in your report.</a:t>
+            </a:r>
+          </a:p>
+          <a:p>
+            <a:pPr lvl="1"/>
+            <a:r>
+              <a:rPr/>
+              <a:t>Relevant outputs only for transparency.</a:t>
             </a:r>
           </a:p>
         </p:txBody>
@@ -5659,7 +4609,7 @@
           <p:cNvPr id="2" name="Title 1">
             <a:extLst>
               <a:ext uri="{FF2B5EF4-FFF2-40B4-BE49-F238E27FC236}">
-                <a16:creationId xmlns:a16="http://schemas.microsoft.com/office/drawing/2014/main" id="{FF6A6CB2-D1B6-B94A-84C1-83C65423C650}"/>
+                <a16:creationId xmlns:a16="http://schemas.microsoft.com/office/drawing/2014/main" id="{DD9B8E45-0772-954C-8D4B-6E6808DFEDED}"/>
               </a:ext>
             </a:extLst>
           </p:cNvPr>
@@ -5672,8 +4622,8 @@
         </p:nvSpPr>
         <p:spPr>
           <a:xfrm>
-            <a:off x="831851" y="1709742"/>
-            <a:ext cx="10515600" cy="2852737"/>
+            <a:off x="838200" y="365129"/>
+            <a:ext cx="10515600" cy="1325563"/>
           </a:xfrm>
           <a:prstGeom prst="rect">
             <a:avLst/>
@@ -5688,7 +4638,227 @@
             </a:pPr>
             <a:r>
               <a:rPr/>
-              <a:t>Any Questions?</a:t>
+              <a:t>Open Materials Requirements</a:t>
+            </a:r>
+          </a:p>
+        </p:txBody>
+      </p:sp>
+      <p:sp>
+        <p:nvSpPr>
+          <p:cNvPr id="3" name="Content Placeholder 2">
+            <a:extLst>
+              <a:ext uri="{FF2B5EF4-FFF2-40B4-BE49-F238E27FC236}">
+                <a16:creationId xmlns:a16="http://schemas.microsoft.com/office/drawing/2014/main" id="{A4EB24F9-04F1-C843-9D71-56C5C024552B}"/>
+              </a:ext>
+            </a:extLst>
+          </p:cNvPr>
+          <p:cNvSpPr>
+            <a:spLocks noGrp="1"/>
+          </p:cNvSpPr>
+          <p:nvPr>
+            <p:ph idx="1"/>
+          </p:nvPr>
+        </p:nvSpPr>
+        <p:spPr/>
+        <p:txBody>
+          <a:bodyPr/>
+          <a:lstStyle/>
+          <a:p>
+            <a:pPr lvl="0" indent="0" marL="0">
+              <a:spcBef>
+                <a:spcPts val="3000"/>
+              </a:spcBef>
+              <a:buNone/>
+            </a:pPr>
+            <a:r>
+              <a:rPr b="1"/>
+              <a:t>Why Submit Open Materials?</a:t>
+            </a:r>
+          </a:p>
+          <a:p>
+            <a:pPr lvl="0"/>
+            <a:r>
+              <a:rPr/>
+              <a:t>Enables replication and evaluation of research.</a:t>
+            </a:r>
+          </a:p>
+          <a:p>
+            <a:pPr lvl="0"/>
+            <a:r>
+              <a:rPr/>
+              <a:t>Ensures all materials are well-organized and complete.</a:t>
+            </a:r>
+          </a:p>
+          <a:p>
+            <a:pPr lvl="0" indent="0" marL="0">
+              <a:spcBef>
+                <a:spcPts val="3000"/>
+              </a:spcBef>
+              <a:buNone/>
+            </a:pPr>
+            <a:r>
+              <a:rPr b="1"/>
+              <a:t>Key Materials to Include</a:t>
+            </a:r>
+          </a:p>
+          <a:p>
+            <a:pPr lvl="0"/>
+            <a:r>
+              <a:rPr/>
+              <a:t>Stimuli (images, videos, text)</a:t>
+            </a:r>
+          </a:p>
+          <a:p>
+            <a:pPr lvl="0"/>
+            <a:r>
+              <a:rPr/>
+              <a:t>Experimental software/scripts</a:t>
+            </a:r>
+          </a:p>
+          <a:p>
+            <a:pPr lvl="0"/>
+            <a:r>
+              <a:rPr/>
+              <a:t>Data collection tools (surveys, questionnaires)</a:t>
+            </a:r>
+          </a:p>
+          <a:p>
+            <a:pPr lvl="0"/>
+            <a:r>
+              <a:rPr/>
+              <a:t>Consent, debriefing, and ethics forms</a:t>
+            </a:r>
+          </a:p>
+          <a:p>
+            <a:pPr lvl="0"/>
+            <a:r>
+              <a:rPr/>
+              <a:t>Study protocols and task instructions</a:t>
+            </a:r>
+          </a:p>
+          <a:p>
+            <a:pPr lvl="0" indent="0" marL="0">
+              <a:spcBef>
+                <a:spcPts val="3000"/>
+              </a:spcBef>
+              <a:buNone/>
+            </a:pPr>
+            <a:r>
+              <a:rPr b="1"/>
+              <a:t>Documenting Your Materials</a:t>
+            </a:r>
+          </a:p>
+          <a:p>
+            <a:pPr lvl="0"/>
+            <a:r>
+              <a:rPr/>
+              <a:t>Provide a description of each item’s purpose.</a:t>
+            </a:r>
+          </a:p>
+          <a:p>
+            <a:pPr lvl="0"/>
+            <a:r>
+              <a:rPr/>
+              <a:t>Indicate whether materials are IVs or DVs.</a:t>
+            </a:r>
+          </a:p>
+          <a:p>
+            <a:pPr lvl="0"/>
+            <a:r>
+              <a:rPr/>
+              <a:t>Include labels, reverse-coded items, and response scales.</a:t>
+            </a:r>
+          </a:p>
+          <a:p>
+            <a:pPr lvl="0" indent="0" marL="0">
+              <a:spcBef>
+                <a:spcPts val="3000"/>
+              </a:spcBef>
+              <a:buNone/>
+            </a:pPr>
+            <a:r>
+              <a:rPr b="1"/>
+              <a:t>Study Design</a:t>
+            </a:r>
+          </a:p>
+          <a:p>
+            <a:pPr lvl="0"/>
+            <a:r>
+              <a:rPr/>
+              <a:t>Study types: Repeated Measures, Mixed, Between-Groups.</a:t>
+            </a:r>
+          </a:p>
+          <a:p>
+            <a:pPr lvl="0"/>
+            <a:r>
+              <a:rPr/>
+              <a:t>Participants: Demographics, recruitment, sample size, inclusion/exclusion criteria.</a:t>
+            </a:r>
+          </a:p>
+          <a:p>
+            <a:pPr lvl="0"/>
+            <a:r>
+              <a:rPr/>
+              <a:t>Procedures: Task instructions, randomization, counterbalancing.</a:t>
+            </a:r>
+          </a:p>
+          <a:p>
+            <a:pPr lvl="0" indent="0" marL="0">
+              <a:spcBef>
+                <a:spcPts val="3000"/>
+              </a:spcBef>
+              <a:buNone/>
+            </a:pPr>
+            <a:r>
+              <a:rPr b="1"/>
+              <a:t>Anonymizing and Sharing</a:t>
+            </a:r>
+          </a:p>
+          <a:p>
+            <a:pPr lvl="0"/>
+            <a:r>
+              <a:rPr/>
+              <a:t>Ensure PII is removed.</a:t>
+            </a:r>
+          </a:p>
+          <a:p>
+            <a:pPr lvl="0"/>
+            <a:r>
+              <a:rPr/>
+              <a:t>Redact researcher names if anonymity is required.</a:t>
+            </a:r>
+          </a:p>
+          <a:p>
+            <a:pPr lvl="0"/>
+            <a:r>
+              <a:rPr/>
+              <a:t>Prepare files in text, spreadsheet, or PDF formats.</a:t>
+            </a:r>
+          </a:p>
+          <a:p>
+            <a:pPr lvl="0" indent="0" marL="0">
+              <a:spcBef>
+                <a:spcPts val="3000"/>
+              </a:spcBef>
+              <a:buNone/>
+            </a:pPr>
+            <a:r>
+              <a:rPr b="1"/>
+              <a:t>Submission Organization</a:t>
+            </a:r>
+          </a:p>
+          <a:p>
+            <a:pPr lvl="0"/>
+            <a:r>
+              <a:rPr/>
+              <a:t>Consider a README file for clarity.</a:t>
+            </a:r>
+          </a:p>
+          <a:p>
+            <a:pPr lvl="0"/>
+            <a:r>
+              <a:rPr/>
+              <a:t>Index documents logically for easy navigation.</a:t>
             </a:r>
           </a:p>
         </p:txBody>
@@ -5720,7 +4890,7 @@
           <p:cNvPr id="2" name="Title 1">
             <a:extLst>
               <a:ext uri="{FF2B5EF4-FFF2-40B4-BE49-F238E27FC236}">
-                <a16:creationId xmlns:a16="http://schemas.microsoft.com/office/drawing/2014/main" id="{FF6A6CB2-D1B6-B94A-84C1-83C65423C650}"/>
+                <a16:creationId xmlns:a16="http://schemas.microsoft.com/office/drawing/2014/main" id="{DD9B8E45-0772-954C-8D4B-6E6808DFEDED}"/>
               </a:ext>
             </a:extLst>
           </p:cNvPr>
@@ -5733,8 +4903,8 @@
         </p:nvSpPr>
         <p:spPr>
           <a:xfrm>
-            <a:off x="831851" y="1709742"/>
-            <a:ext cx="10515600" cy="2852737"/>
+            <a:off x="838200" y="365129"/>
+            <a:ext cx="10515600" cy="1325563"/>
           </a:xfrm>
           <a:prstGeom prst="rect">
             <a:avLst/>
@@ -5749,7 +4919,179 @@
             </a:pPr>
             <a:r>
               <a:rPr/>
-              <a:t>Being critical and evaluating the work of others</a:t>
+              <a:t>Reflective Account Requirements</a:t>
+            </a:r>
+          </a:p>
+        </p:txBody>
+      </p:sp>
+      <p:sp>
+        <p:nvSpPr>
+          <p:cNvPr id="3" name="Content Placeholder 2">
+            <a:extLst>
+              <a:ext uri="{FF2B5EF4-FFF2-40B4-BE49-F238E27FC236}">
+                <a16:creationId xmlns:a16="http://schemas.microsoft.com/office/drawing/2014/main" id="{A4EB24F9-04F1-C843-9D71-56C5C024552B}"/>
+              </a:ext>
+            </a:extLst>
+          </p:cNvPr>
+          <p:cNvSpPr>
+            <a:spLocks noGrp="1"/>
+          </p:cNvSpPr>
+          <p:nvPr>
+            <p:ph idx="1"/>
+          </p:nvPr>
+        </p:nvSpPr>
+        <p:spPr/>
+        <p:txBody>
+          <a:bodyPr/>
+          <a:lstStyle/>
+          <a:p>
+            <a:pPr lvl="0" indent="0" marL="0">
+              <a:spcBef>
+                <a:spcPts val="3000"/>
+              </a:spcBef>
+              <a:buNone/>
+            </a:pPr>
+            <a:r>
+              <a:rPr b="1"/>
+              <a:t>Why Reflect?</a:t>
+            </a:r>
+          </a:p>
+          <a:p>
+            <a:pPr lvl="0"/>
+            <a:r>
+              <a:rPr/>
+              <a:t>Develop deeper learning and research skills.</a:t>
+            </a:r>
+          </a:p>
+          <a:p>
+            <a:pPr lvl="0"/>
+            <a:r>
+              <a:rPr/>
+              <a:t>Prepare for future research projects and careers.</a:t>
+            </a:r>
+          </a:p>
+          <a:p>
+            <a:pPr lvl="0" indent="0" marL="0">
+              <a:spcBef>
+                <a:spcPts val="3000"/>
+              </a:spcBef>
+              <a:buNone/>
+            </a:pPr>
+            <a:r>
+              <a:rPr b="1"/>
+              <a:t>Reflection Guide 1/2</a:t>
+            </a:r>
+          </a:p>
+          <a:p>
+            <a:pPr lvl="0"/>
+            <a:r>
+              <a:rPr b="1"/>
+              <a:t>Document Your Journey</a:t>
+            </a:r>
+            <a:r>
+              <a:rPr/>
+              <a:t>:</a:t>
+            </a:r>
+          </a:p>
+          <a:p>
+            <a:pPr lvl="1"/>
+            <a:r>
+              <a:rPr/>
+              <a:t>Research phases, successes, and challenges.</a:t>
+            </a:r>
+          </a:p>
+          <a:p>
+            <a:pPr lvl="1"/>
+            <a:r>
+              <a:rPr/>
+              <a:t>Record decisions and learning experiences.</a:t>
+            </a:r>
+          </a:p>
+          <a:p>
+            <a:pPr lvl="0"/>
+            <a:r>
+              <a:rPr b="1"/>
+              <a:t>Ask Critical Questions</a:t>
+            </a:r>
+            <a:r>
+              <a:rPr/>
+              <a:t>:</a:t>
+            </a:r>
+          </a:p>
+          <a:p>
+            <a:pPr lvl="1"/>
+            <a:r>
+              <a:rPr/>
+              <a:t>What worked well? What could improve?</a:t>
+            </a:r>
+          </a:p>
+          <a:p>
+            <a:pPr lvl="1"/>
+            <a:r>
+              <a:rPr/>
+              <a:t>How did challenges affect your outcomes?</a:t>
+            </a:r>
+          </a:p>
+          <a:p>
+            <a:pPr lvl="0" indent="0" marL="0">
+              <a:spcBef>
+                <a:spcPts val="3000"/>
+              </a:spcBef>
+              <a:buNone/>
+            </a:pPr>
+            <a:r>
+              <a:rPr b="1"/>
+              <a:t>Reflection Guide 2/2</a:t>
+            </a:r>
+          </a:p>
+          <a:p>
+            <a:pPr lvl="0"/>
+            <a:r>
+              <a:rPr b="1"/>
+              <a:t>Evaluate &amp; Synthesize</a:t>
+            </a:r>
+            <a:r>
+              <a:rPr/>
+              <a:t>:</a:t>
+            </a:r>
+          </a:p>
+          <a:p>
+            <a:pPr lvl="1"/>
+            <a:r>
+              <a:rPr/>
+              <a:t>Identify strengths and areas for improvement.</a:t>
+            </a:r>
+          </a:p>
+          <a:p>
+            <a:pPr lvl="1"/>
+            <a:r>
+              <a:rPr/>
+              <a:t>Set future research goals.</a:t>
+            </a:r>
+          </a:p>
+          <a:p>
+            <a:pPr lvl="0"/>
+            <a:r>
+              <a:rPr b="1"/>
+              <a:t>Consider Future Impact</a:t>
+            </a:r>
+            <a:r>
+              <a:rPr/>
+              <a:t>:</a:t>
+            </a:r>
+          </a:p>
+          <a:p>
+            <a:pPr lvl="1"/>
+            <a:r>
+              <a:rPr/>
+              <a:t>How does your research fit into the broader field?</a:t>
+            </a:r>
+          </a:p>
+          <a:p>
+            <a:pPr lvl="1"/>
+            <a:r>
+              <a:rPr/>
+              <a:t>What next steps could advance this line of inquiry?</a:t>
             </a:r>
           </a:p>
         </p:txBody>
@@ -5810,7 +5152,86 @@
             </a:pPr>
             <a:r>
               <a:rPr/>
-              <a:t>This is a topic and skill you’ve already been shownReview these materials and consider your performance of the assessment, and any feedback</a:t>
+              <a:t>Summary &amp; Reminders</a:t>
+            </a:r>
+          </a:p>
+        </p:txBody>
+      </p:sp>
+      <p:sp>
+        <p:nvSpPr>
+          <p:cNvPr id="3" name="Content Placeholder 2">
+            <a:extLst>
+              <a:ext uri="{FF2B5EF4-FFF2-40B4-BE49-F238E27FC236}">
+                <a16:creationId xmlns:a16="http://schemas.microsoft.com/office/drawing/2014/main" id="{A4EB24F9-04F1-C843-9D71-56C5C024552B}"/>
+              </a:ext>
+            </a:extLst>
+          </p:cNvPr>
+          <p:cNvSpPr>
+            <a:spLocks noGrp="1"/>
+          </p:cNvSpPr>
+          <p:nvPr>
+            <p:ph idx="1"/>
+          </p:nvPr>
+        </p:nvSpPr>
+        <p:spPr/>
+        <p:txBody>
+          <a:bodyPr/>
+          <a:lstStyle/>
+          <a:p>
+            <a:pPr lvl="0"/>
+            <a:r>
+              <a:rPr b="1"/>
+              <a:t>Must Submit</a:t>
+            </a:r>
+            <a:r>
+              <a:rPr/>
+              <a:t>:</a:t>
+            </a:r>
+          </a:p>
+          <a:p>
+            <a:pPr lvl="1"/>
+            <a:r>
+              <a:rPr/>
+              <a:t>Open Data</a:t>
+            </a:r>
+          </a:p>
+          <a:p>
+            <a:pPr lvl="1"/>
+            <a:r>
+              <a:rPr/>
+              <a:t>Open Materials</a:t>
+            </a:r>
+          </a:p>
+          <a:p>
+            <a:pPr lvl="1"/>
+            <a:r>
+              <a:rPr/>
+              <a:t>Reflective Account</a:t>
+            </a:r>
+          </a:p>
+          <a:p>
+            <a:pPr lvl="0"/>
+            <a:r>
+              <a:rPr b="1"/>
+              <a:t>Ask Questions</a:t>
+            </a:r>
+            <a:r>
+              <a:rPr/>
+              <a:t>:</a:t>
+            </a:r>
+          </a:p>
+          <a:p>
+            <a:pPr lvl="1"/>
+            <a:r>
+              <a:rPr/>
+              <a:t>Use lab sessions or discussion forums.</a:t>
+            </a:r>
+          </a:p>
+          <a:p>
+            <a:pPr lvl="1"/>
+            <a:r>
+              <a:rPr/>
+              <a:t>Seek feedback from peers and instructors.</a:t>
             </a:r>
           </a:p>
         </p:txBody>
@@ -5871,7 +5292,7 @@
             </a:pPr>
             <a:r>
               <a:rPr/>
-              <a:t>This year Critical Analysis has a ‘point’</a:t>
+              <a:t>Thank You!</a:t>
             </a:r>
           </a:p>
         </p:txBody>
@@ -5897,100 +5318,17 @@
           <a:bodyPr/>
           <a:lstStyle/>
           <a:p>
-            <a:pPr lvl="0" indent="0" marL="0">
-              <a:buNone/>
-            </a:pPr>
-            <a:r>
-              <a:rPr/>
-              <a:t>The objective of the Critical Proposal is that you start to deploy the tools you have practiced in the service of your Mini-Dissertations.</a:t>
-            </a:r>
-          </a:p>
-          <a:p>
-            <a:pPr lvl="0" indent="0" marL="0">
-              <a:buNone/>
-            </a:pPr>
-            <a:r>
-              <a:rPr/>
-              <a:t>A ‘practical’ exercise, success if determined in light of practical value.</a:t>
-            </a:r>
-          </a:p>
-          <a:p>
-            <a:pPr lvl="0" indent="0" marL="0">
-              <a:buNone/>
-            </a:pPr>
-            <a:r>
-              <a:rPr/>
-              <a:t>Helping to develop some aspect of your study design or methodology.</a:t>
-            </a:r>
-          </a:p>
-          <a:p>
-            <a:pPr lvl="0" indent="0" marL="0">
-              <a:buNone/>
-            </a:pPr>
-            <a:r>
-              <a:rPr/>
-              <a:t>You will probably follow this process ‘a few times’ for your final year dissertation!</a:t>
-            </a:r>
-          </a:p>
-        </p:txBody>
-      </p:sp>
-    </p:spTree>
-  </p:cSld>
-</p:sld>
-</file>
-
-<file path=ppt/slides/slide9.xml><?xml version="1.0" encoding="utf-8"?>
-<p:sld xmlns:a="http://schemas.openxmlformats.org/drawingml/2006/main" xmlns:r="http://schemas.openxmlformats.org/officeDocument/2006/relationships" xmlns:p="http://schemas.openxmlformats.org/presentationml/2006/main">
-  <p:cSld>
-    <p:spTree>
-      <p:nvGrpSpPr>
-        <p:cNvPr id="1" name=""/>
-        <p:cNvGrpSpPr/>
-        <p:nvPr/>
-      </p:nvGrpSpPr>
-      <p:grpSpPr>
-        <a:xfrm>
-          <a:off x="0" y="0"/>
-          <a:ext cx="0" cy="0"/>
-          <a:chOff x="0" y="0"/>
-          <a:chExt cx="0" cy="0"/>
-        </a:xfrm>
-      </p:grpSpPr>
-      <p:sp>
-        <p:nvSpPr>
-          <p:cNvPr id="2" name="Title 1">
-            <a:extLst>
-              <a:ext uri="{FF2B5EF4-FFF2-40B4-BE49-F238E27FC236}">
-                <a16:creationId xmlns:a16="http://schemas.microsoft.com/office/drawing/2014/main" id="{DD9B8E45-0772-954C-8D4B-6E6808DFEDED}"/>
-              </a:ext>
-            </a:extLst>
-          </p:cNvPr>
-          <p:cNvSpPr>
-            <a:spLocks noGrp="1"/>
-          </p:cNvSpPr>
-          <p:nvPr>
-            <p:ph type="title"/>
-          </p:nvPr>
-        </p:nvSpPr>
-        <p:spPr>
-          <a:xfrm>
-            <a:off x="838200" y="365129"/>
-            <a:ext cx="10515600" cy="1325563"/>
-          </a:xfrm>
-          <a:prstGeom prst="rect">
-            <a:avLst/>
-          </a:prstGeom>
-        </p:spPr>
-        <p:txBody>
-          <a:bodyPr/>
-          <a:lstStyle/>
-          <a:p>
-            <a:pPr lvl="0" indent="0" marL="0">
-              <a:buNone/>
-            </a:pPr>
-            <a:r>
-              <a:rPr/>
-              <a:t>Reading list items (Barber 2002; 2004)</a:t>
+            <a:pPr lvl="0"/>
+            <a:r>
+              <a:rPr b="1"/>
+              <a:t>Questions?</a:t>
+            </a:r>
+          </a:p>
+          <a:p>
+            <a:pPr lvl="0"/>
+            <a:r>
+              <a:rPr/>
+              <a:t>Let’s make research open and reproducible!</a:t>
             </a:r>
           </a:p>
         </p:txBody>
